--- a/slides/jepa.pptx
+++ b/slides/jepa.pptx
@@ -5,7 +5,7 @@
     <p:sldMasterId id="2147483648" r:id="rId1"/>
   </p:sldMasterIdLst>
   <p:notesMasterIdLst>
-    <p:notesMasterId r:id="rId10"/>
+    <p:notesMasterId r:id="rId11"/>
   </p:notesMasterIdLst>
   <p:sldIdLst>
     <p:sldId id="256" r:id="rId2"/>
@@ -16,6 +16,7 @@
     <p:sldId id="261" r:id="rId7"/>
     <p:sldId id="263" r:id="rId8"/>
     <p:sldId id="262" r:id="rId9"/>
+    <p:sldId id="264" r:id="rId10"/>
   </p:sldIdLst>
   <p:sldSz cx="12192000" cy="6858000"/>
   <p:notesSz cx="6858000" cy="9144000"/>
@@ -204,7 +205,7 @@
           <a:p>
             <a:fld id="{AFC74ACE-CB6C-463A-B974-04C1C120627C}" type="datetimeFigureOut">
               <a:rPr lang="en-US" smtClean="0"/>
-              <a:t>4/20/2022</a:t>
+              <a:t>6/23/2022</a:t>
             </a:fld>
             <a:endParaRPr lang="en-US"/>
           </a:p>
@@ -702,7 +703,7 @@
           <a:p>
             <a:fld id="{7ADD0A77-717E-4493-B363-7498B852BD24}" type="datetimeFigureOut">
               <a:rPr lang="en-US" smtClean="0"/>
-              <a:t>4/20/2022</a:t>
+              <a:t>6/23/2022</a:t>
             </a:fld>
             <a:endParaRPr lang="en-US"/>
           </a:p>
@@ -900,7 +901,7 @@
           <a:p>
             <a:fld id="{7ADD0A77-717E-4493-B363-7498B852BD24}" type="datetimeFigureOut">
               <a:rPr lang="en-US" smtClean="0"/>
-              <a:t>4/20/2022</a:t>
+              <a:t>6/23/2022</a:t>
             </a:fld>
             <a:endParaRPr lang="en-US"/>
           </a:p>
@@ -1108,7 +1109,7 @@
           <a:p>
             <a:fld id="{7ADD0A77-717E-4493-B363-7498B852BD24}" type="datetimeFigureOut">
               <a:rPr lang="en-US" smtClean="0"/>
-              <a:t>4/20/2022</a:t>
+              <a:t>6/23/2022</a:t>
             </a:fld>
             <a:endParaRPr lang="en-US"/>
           </a:p>
@@ -1306,7 +1307,7 @@
           <a:p>
             <a:fld id="{7ADD0A77-717E-4493-B363-7498B852BD24}" type="datetimeFigureOut">
               <a:rPr lang="en-US" smtClean="0"/>
-              <a:t>4/20/2022</a:t>
+              <a:t>6/23/2022</a:t>
             </a:fld>
             <a:endParaRPr lang="en-US"/>
           </a:p>
@@ -1581,7 +1582,7 @@
           <a:p>
             <a:fld id="{7ADD0A77-717E-4493-B363-7498B852BD24}" type="datetimeFigureOut">
               <a:rPr lang="en-US" smtClean="0"/>
-              <a:t>4/20/2022</a:t>
+              <a:t>6/23/2022</a:t>
             </a:fld>
             <a:endParaRPr lang="en-US"/>
           </a:p>
@@ -1846,7 +1847,7 @@
           <a:p>
             <a:fld id="{7ADD0A77-717E-4493-B363-7498B852BD24}" type="datetimeFigureOut">
               <a:rPr lang="en-US" smtClean="0"/>
-              <a:t>4/20/2022</a:t>
+              <a:t>6/23/2022</a:t>
             </a:fld>
             <a:endParaRPr lang="en-US"/>
           </a:p>
@@ -2258,7 +2259,7 @@
           <a:p>
             <a:fld id="{7ADD0A77-717E-4493-B363-7498B852BD24}" type="datetimeFigureOut">
               <a:rPr lang="en-US" smtClean="0"/>
-              <a:t>4/20/2022</a:t>
+              <a:t>6/23/2022</a:t>
             </a:fld>
             <a:endParaRPr lang="en-US"/>
           </a:p>
@@ -2399,7 +2400,7 @@
           <a:p>
             <a:fld id="{7ADD0A77-717E-4493-B363-7498B852BD24}" type="datetimeFigureOut">
               <a:rPr lang="en-US" smtClean="0"/>
-              <a:t>4/20/2022</a:t>
+              <a:t>6/23/2022</a:t>
             </a:fld>
             <a:endParaRPr lang="en-US"/>
           </a:p>
@@ -2512,7 +2513,7 @@
           <a:p>
             <a:fld id="{7ADD0A77-717E-4493-B363-7498B852BD24}" type="datetimeFigureOut">
               <a:rPr lang="en-US" smtClean="0"/>
-              <a:t>4/20/2022</a:t>
+              <a:t>6/23/2022</a:t>
             </a:fld>
             <a:endParaRPr lang="en-US"/>
           </a:p>
@@ -2823,7 +2824,7 @@
           <a:p>
             <a:fld id="{7ADD0A77-717E-4493-B363-7498B852BD24}" type="datetimeFigureOut">
               <a:rPr lang="en-US" smtClean="0"/>
-              <a:t>4/20/2022</a:t>
+              <a:t>6/23/2022</a:t>
             </a:fld>
             <a:endParaRPr lang="en-US"/>
           </a:p>
@@ -3111,7 +3112,7 @@
           <a:p>
             <a:fld id="{7ADD0A77-717E-4493-B363-7498B852BD24}" type="datetimeFigureOut">
               <a:rPr lang="en-US" smtClean="0"/>
-              <a:t>4/20/2022</a:t>
+              <a:t>6/23/2022</a:t>
             </a:fld>
             <a:endParaRPr lang="en-US"/>
           </a:p>
@@ -3352,7 +3353,7 @@
           <a:p>
             <a:fld id="{7ADD0A77-717E-4493-B363-7498B852BD24}" type="datetimeFigureOut">
               <a:rPr lang="en-US" smtClean="0"/>
-              <a:t>4/20/2022</a:t>
+              <a:t>6/23/2022</a:t>
             </a:fld>
             <a:endParaRPr lang="en-US"/>
           </a:p>
@@ -4887,8 +4888,8 @@
           </a:prstGeom>
         </p:spPr>
       </p:pic>
-      <mc:AlternateContent xmlns:mc="http://schemas.openxmlformats.org/markup-compatibility/2006">
-        <mc:Choice xmlns:a14="http://schemas.microsoft.com/office/drawing/2010/main" Requires="a14">
+      <mc:AlternateContent xmlns:mc="http://schemas.openxmlformats.org/markup-compatibility/2006" xmlns:a14="http://schemas.microsoft.com/office/drawing/2010/main">
+        <mc:Choice Requires="a14">
           <p:sp>
             <p:nvSpPr>
               <p:cNvPr id="6" name="Content Placeholder 2">
@@ -5159,7 +5160,7 @@
             </p:txBody>
           </p:sp>
         </mc:Choice>
-        <mc:Fallback>
+        <mc:Fallback xmlns="">
           <p:sp>
             <p:nvSpPr>
               <p:cNvPr id="6" name="Content Placeholder 2">
@@ -5783,6 +5784,125 @@
     <p:extLst>
       <p:ext uri="{BB962C8B-B14F-4D97-AF65-F5344CB8AC3E}">
         <p14:creationId xmlns:p14="http://schemas.microsoft.com/office/powerpoint/2010/main" val="3015973928"/>
+      </p:ext>
+    </p:extLst>
+  </p:cSld>
+  <p:clrMapOvr>
+    <a:masterClrMapping/>
+  </p:clrMapOvr>
+</p:sld>
+</file>
+
+<file path=ppt/slides/slide9.xml><?xml version="1.0" encoding="utf-8"?>
+<p:sld xmlns:a="http://schemas.openxmlformats.org/drawingml/2006/main" xmlns:r="http://schemas.openxmlformats.org/officeDocument/2006/relationships" xmlns:p="http://schemas.openxmlformats.org/presentationml/2006/main">
+  <p:cSld>
+    <p:spTree>
+      <p:nvGrpSpPr>
+        <p:cNvPr id="1" name=""/>
+        <p:cNvGrpSpPr/>
+        <p:nvPr/>
+      </p:nvGrpSpPr>
+      <p:grpSpPr>
+        <a:xfrm>
+          <a:off x="0" y="0"/>
+          <a:ext cx="0" cy="0"/>
+          <a:chOff x="0" y="0"/>
+          <a:chExt cx="0" cy="0"/>
+        </a:xfrm>
+      </p:grpSpPr>
+      <p:sp>
+        <p:nvSpPr>
+          <p:cNvPr id="2" name="Title 1">
+            <a:extLst>
+              <a:ext uri="{FF2B5EF4-FFF2-40B4-BE49-F238E27FC236}">
+                <a16:creationId xmlns:a16="http://schemas.microsoft.com/office/drawing/2014/main" id="{5D2B2ABE-A2D2-4AB0-F338-B54CB8A3E24E}"/>
+              </a:ext>
+            </a:extLst>
+          </p:cNvPr>
+          <p:cNvSpPr>
+            <a:spLocks noGrp="1"/>
+          </p:cNvSpPr>
+          <p:nvPr>
+            <p:ph type="title"/>
+          </p:nvPr>
+        </p:nvSpPr>
+        <p:spPr/>
+        <p:txBody>
+          <a:bodyPr/>
+          <a:lstStyle/>
+          <a:p>
+            <a:r>
+              <a:rPr lang="en-US" dirty="0"/>
+              <a:t>Notes from the future</a:t>
+            </a:r>
+          </a:p>
+        </p:txBody>
+      </p:sp>
+      <p:sp>
+        <p:nvSpPr>
+          <p:cNvPr id="3" name="Content Placeholder 2">
+            <a:extLst>
+              <a:ext uri="{FF2B5EF4-FFF2-40B4-BE49-F238E27FC236}">
+                <a16:creationId xmlns:a16="http://schemas.microsoft.com/office/drawing/2014/main" id="{9CFF8550-D633-0A1C-BF82-063590D6363B}"/>
+              </a:ext>
+            </a:extLst>
+          </p:cNvPr>
+          <p:cNvSpPr>
+            <a:spLocks noGrp="1"/>
+          </p:cNvSpPr>
+          <p:nvPr>
+            <p:ph idx="1"/>
+          </p:nvPr>
+        </p:nvSpPr>
+        <p:spPr/>
+        <p:txBody>
+          <a:bodyPr/>
+          <a:lstStyle/>
+          <a:p>
+            <a:r>
+              <a:rPr lang="zh-CN" altLang="en-US" dirty="0"/>
+              <a:t>如果要用作用量进行试验， </a:t>
+            </a:r>
+            <a:r>
+              <a:rPr lang="en-US" altLang="zh-CN" dirty="0"/>
+              <a:t>negative example </a:t>
+            </a:r>
+            <a:r>
+              <a:rPr lang="zh-CN" altLang="en-US" dirty="0"/>
+              <a:t>先用 </a:t>
+            </a:r>
+            <a:r>
+              <a:rPr lang="en-US" altLang="zh-CN" dirty="0"/>
+              <a:t>random z seq from Gaussian </a:t>
+            </a:r>
+            <a:r>
+              <a:rPr lang="zh-CN" altLang="en-US" dirty="0"/>
+              <a:t>就好。 说不定加了对称性就能 </a:t>
+            </a:r>
+            <a:r>
+              <a:rPr lang="en-US" altLang="zh-CN" dirty="0"/>
+              <a:t>work. </a:t>
+            </a:r>
+            <a:r>
+              <a:rPr lang="zh-CN" altLang="en-US" dirty="0"/>
+              <a:t>不然，再加 </a:t>
+            </a:r>
+            <a:r>
+              <a:rPr lang="en-US" altLang="zh-CN" dirty="0"/>
+              <a:t>GAN </a:t>
+            </a:r>
+            <a:r>
+              <a:rPr lang="zh-CN" altLang="en-US"/>
+              <a:t>等等。</a:t>
+            </a:r>
+            <a:endParaRPr lang="en-US" dirty="0"/>
+          </a:p>
+        </p:txBody>
+      </p:sp>
+    </p:spTree>
+    <p:extLst>
+      <p:ext uri="{BB962C8B-B14F-4D97-AF65-F5344CB8AC3E}">
+        <p14:creationId xmlns:p14="http://schemas.microsoft.com/office/powerpoint/2010/main" val="3977167047"/>
       </p:ext>
     </p:extLst>
   </p:cSld>
